--- a/subjects/WWW/Bazy danych - 6 zajęcia.pptx
+++ b/subjects/WWW/Bazy danych - 6 zajęcia.pptx
@@ -124,7 +124,7 @@
 <file path=ppt/revisionInfo.xml><?xml version="1.0" encoding="utf-8"?>
 <p1510:revInfo xmlns:a="http://schemas.openxmlformats.org/drawingml/2006/main" xmlns:r="http://schemas.openxmlformats.org/officeDocument/2006/relationships" xmlns:p1510="http://schemas.microsoft.com/office/powerpoint/2015/10/main">
   <p1510:revLst>
-    <p1510:client id="{04ADB47A-C827-48AB-B1C4-8C2F1C1FB68E}" v="1" dt="2024-02-13T08:55:45.732"/>
+    <p1510:client id="{04ADB47A-C827-48AB-B1C4-8C2F1C1FB68E}" v="15" dt="2024-02-13T09:21:17.208"/>
     <p1510:client id="{9B6C8081-79AC-4E5A-94B5-A1550F67EA47}" v="10" dt="2024-02-13T08:54:44.978"/>
   </p1510:revLst>
 </p1510:revInfo>
@@ -135,12 +135,12 @@
   <pc:docChgLst>
     <pc:chgData name="Serafin Patryk" userId="ce8cf8d3-b140-43f7-9541-10745587815e" providerId="ADAL" clId="{021338D8-5A39-4268-94E8-22C1389F0145}"/>
     <pc:docChg chg="delSld">
-      <pc:chgData name="Serafin Patryk" userId="ce8cf8d3-b140-43f7-9541-10745587815e" providerId="ADAL" clId="{021338D8-5A39-4268-94E8-22C1389F0145}" dt="2024-02-13T09:01:19.455" v="0" actId="47"/>
+      <pc:chgData name="Serafin Patryk" userId="ce8cf8d3-b140-43f7-9541-10745587815e" providerId="ADAL" clId="{021338D8-5A39-4268-94E8-22C1389F0145}" dt="2024-02-13T09:22:14.634" v="0" actId="47"/>
       <pc:docMkLst>
         <pc:docMk/>
       </pc:docMkLst>
       <pc:sldChg chg="del">
-        <pc:chgData name="Serafin Patryk" userId="ce8cf8d3-b140-43f7-9541-10745587815e" providerId="ADAL" clId="{021338D8-5A39-4268-94E8-22C1389F0145}" dt="2024-02-13T09:01:19.455" v="0" actId="47"/>
+        <pc:chgData name="Serafin Patryk" userId="ce8cf8d3-b140-43f7-9541-10745587815e" providerId="ADAL" clId="{021338D8-5A39-4268-94E8-22C1389F0145}" dt="2024-02-13T09:22:14.634" v="0" actId="47"/>
         <pc:sldMkLst>
           <pc:docMk/>
           <pc:sldMk cId="1509778692" sldId="417"/>
@@ -428,8 +428,8 @@
   </pc:docChgLst>
   <pc:docChgLst>
     <pc:chgData name="Serafin Patryk" userId="ce8cf8d3-b140-43f7-9541-10745587815e" providerId="ADAL" clId="{04ADB47A-C827-48AB-B1C4-8C2F1C1FB68E}"/>
-    <pc:docChg chg="delSld">
-      <pc:chgData name="Serafin Patryk" userId="ce8cf8d3-b140-43f7-9541-10745587815e" providerId="ADAL" clId="{04ADB47A-C827-48AB-B1C4-8C2F1C1FB68E}" dt="2024-02-13T08:55:35.982" v="1" actId="47"/>
+    <pc:docChg chg="delSld modSld">
+      <pc:chgData name="Serafin Patryk" userId="ce8cf8d3-b140-43f7-9541-10745587815e" providerId="ADAL" clId="{04ADB47A-C827-48AB-B1C4-8C2F1C1FB68E}" dt="2024-02-13T09:21:17.208" v="16" actId="1076"/>
       <pc:docMkLst>
         <pc:docMk/>
       </pc:docMkLst>
@@ -1013,6 +1013,67 @@
           <pc:docMk/>
           <pc:sldMk cId="354141627" sldId="420"/>
         </pc:sldMkLst>
+      </pc:sldChg>
+      <pc:sldChg chg="addSp delSp modSp mod">
+        <pc:chgData name="Serafin Patryk" userId="ce8cf8d3-b140-43f7-9541-10745587815e" providerId="ADAL" clId="{04ADB47A-C827-48AB-B1C4-8C2F1C1FB68E}" dt="2024-02-13T09:19:25.302" v="12" actId="1076"/>
+        <pc:sldMkLst>
+          <pc:docMk/>
+          <pc:sldMk cId="1426184852" sldId="423"/>
+        </pc:sldMkLst>
+        <pc:spChg chg="mod">
+          <ac:chgData name="Serafin Patryk" userId="ce8cf8d3-b140-43f7-9541-10745587815e" providerId="ADAL" clId="{04ADB47A-C827-48AB-B1C4-8C2F1C1FB68E}" dt="2024-02-13T09:10:27.827" v="2"/>
+          <ac:spMkLst>
+            <pc:docMk/>
+            <pc:sldMk cId="1426184852" sldId="423"/>
+            <ac:spMk id="3" creationId="{72344B53-19F4-EF25-F56C-BDD835735E7E}"/>
+          </ac:spMkLst>
+        </pc:spChg>
+        <pc:picChg chg="add del mod">
+          <ac:chgData name="Serafin Patryk" userId="ce8cf8d3-b140-43f7-9541-10745587815e" providerId="ADAL" clId="{04ADB47A-C827-48AB-B1C4-8C2F1C1FB68E}" dt="2024-02-13T09:17:29.781" v="5" actId="478"/>
+          <ac:picMkLst>
+            <pc:docMk/>
+            <pc:sldMk cId="1426184852" sldId="423"/>
+            <ac:picMk id="1026" creationId="{209DA876-3A72-ADA3-FF0F-116167551C19}"/>
+          </ac:picMkLst>
+        </pc:picChg>
+        <pc:picChg chg="add mod">
+          <ac:chgData name="Serafin Patryk" userId="ce8cf8d3-b140-43f7-9541-10745587815e" providerId="ADAL" clId="{04ADB47A-C827-48AB-B1C4-8C2F1C1FB68E}" dt="2024-02-13T09:19:25.302" v="12" actId="1076"/>
+          <ac:picMkLst>
+            <pc:docMk/>
+            <pc:sldMk cId="1426184852" sldId="423"/>
+            <ac:picMk id="1028" creationId="{A6820671-5CCC-7E16-F478-D779AD6E609B}"/>
+          </ac:picMkLst>
+        </pc:picChg>
+      </pc:sldChg>
+      <pc:sldChg chg="addSp modSp">
+        <pc:chgData name="Serafin Patryk" userId="ce8cf8d3-b140-43f7-9541-10745587815e" providerId="ADAL" clId="{04ADB47A-C827-48AB-B1C4-8C2F1C1FB68E}" dt="2024-02-13T09:19:10.340" v="10" actId="1076"/>
+        <pc:sldMkLst>
+          <pc:docMk/>
+          <pc:sldMk cId="1852254844" sldId="424"/>
+        </pc:sldMkLst>
+        <pc:picChg chg="add mod">
+          <ac:chgData name="Serafin Patryk" userId="ce8cf8d3-b140-43f7-9541-10745587815e" providerId="ADAL" clId="{04ADB47A-C827-48AB-B1C4-8C2F1C1FB68E}" dt="2024-02-13T09:19:10.340" v="10" actId="1076"/>
+          <ac:picMkLst>
+            <pc:docMk/>
+            <pc:sldMk cId="1852254844" sldId="424"/>
+            <ac:picMk id="2050" creationId="{C090EE11-F225-B60D-F736-96BBA753C4BA}"/>
+          </ac:picMkLst>
+        </pc:picChg>
+      </pc:sldChg>
+      <pc:sldChg chg="addSp modSp">
+        <pc:chgData name="Serafin Patryk" userId="ce8cf8d3-b140-43f7-9541-10745587815e" providerId="ADAL" clId="{04ADB47A-C827-48AB-B1C4-8C2F1C1FB68E}" dt="2024-02-13T09:21:17.208" v="16" actId="1076"/>
+        <pc:sldMkLst>
+          <pc:docMk/>
+          <pc:sldMk cId="162257550" sldId="425"/>
+        </pc:sldMkLst>
+        <pc:picChg chg="add mod">
+          <ac:chgData name="Serafin Patryk" userId="ce8cf8d3-b140-43f7-9541-10745587815e" providerId="ADAL" clId="{04ADB47A-C827-48AB-B1C4-8C2F1C1FB68E}" dt="2024-02-13T09:21:17.208" v="16" actId="1076"/>
+          <ac:picMkLst>
+            <pc:docMk/>
+            <pc:sldMk cId="162257550" sldId="425"/>
+            <ac:picMk id="3074" creationId="{EECFD739-7C3D-E3EF-DC68-2A2644381675}"/>
+          </ac:picMkLst>
+        </pc:picChg>
       </pc:sldChg>
     </pc:docChg>
   </pc:docChgLst>
@@ -11303,7 +11364,7 @@
             </a:pPr>
             <a:r>
               <a:rPr lang="pl-PL" sz="1800" dirty="0"/>
-              <a:t>Oznacza, że każdy element występuje w każdej tabeli tylko raz. </a:t>
+              <a:t>Oznacza, że jeden element w jednej tabeli może być powiązany z tylko jednym elementem z innej tabeli. </a:t>
             </a:r>
           </a:p>
           <a:p>
@@ -11319,6 +11380,51 @@
           </a:p>
         </p:txBody>
       </p:sp>
+      <p:pic>
+        <p:nvPicPr>
+          <p:cNvPr id="1028" name="Picture 4" descr="1-to-1">
+            <a:extLst>
+              <a:ext uri="{FF2B5EF4-FFF2-40B4-BE49-F238E27FC236}">
+                <a16:creationId xmlns:a16="http://schemas.microsoft.com/office/drawing/2014/main" id="{A6820671-5CCC-7E16-F478-D779AD6E609B}"/>
+              </a:ext>
+            </a:extLst>
+          </p:cNvPr>
+          <p:cNvPicPr>
+            <a:picLocks noChangeAspect="1" noChangeArrowheads="1"/>
+          </p:cNvPicPr>
+          <p:nvPr/>
+        </p:nvPicPr>
+        <p:blipFill rotWithShape="1">
+          <a:blip r:embed="rId3">
+            <a:extLst>
+              <a:ext uri="{28A0092B-C50C-407E-A947-70E740481C1C}">
+                <a14:useLocalDpi xmlns:a14="http://schemas.microsoft.com/office/drawing/2010/main" val="0"/>
+              </a:ext>
+            </a:extLst>
+          </a:blip>
+          <a:srcRect b="12543"/>
+          <a:stretch/>
+        </p:blipFill>
+        <p:spPr bwMode="auto">
+          <a:xfrm>
+            <a:off x="2352674" y="5416854"/>
+            <a:ext cx="7486650" cy="1441146"/>
+          </a:xfrm>
+          <a:prstGeom prst="rect">
+            <a:avLst/>
+          </a:prstGeom>
+          <a:noFill/>
+          <a:extLst>
+            <a:ext uri="{909E8E84-426E-40DD-AFC4-6F175D3DCCD1}">
+              <a14:hiddenFill xmlns:a14="http://schemas.microsoft.com/office/drawing/2010/main">
+                <a:solidFill>
+                  <a:srgbClr val="FFFFFF"/>
+                </a:solidFill>
+              </a14:hiddenFill>
+            </a:ext>
+          </a:extLst>
+        </p:spPr>
+      </p:pic>
     </p:spTree>
     <p:extLst>
       <p:ext uri="{BB962C8B-B14F-4D97-AF65-F5344CB8AC3E}">
@@ -11471,6 +11577,51 @@
           </a:p>
         </p:txBody>
       </p:sp>
+      <p:pic>
+        <p:nvPicPr>
+          <p:cNvPr id="2050" name="Picture 2" descr="One to Many Relationship (Entity-Relationship Diagram) - Software Ideas  Modeler">
+            <a:extLst>
+              <a:ext uri="{FF2B5EF4-FFF2-40B4-BE49-F238E27FC236}">
+                <a16:creationId xmlns:a16="http://schemas.microsoft.com/office/drawing/2014/main" id="{C090EE11-F225-B60D-F736-96BBA753C4BA}"/>
+              </a:ext>
+            </a:extLst>
+          </p:cNvPr>
+          <p:cNvPicPr>
+            <a:picLocks noChangeAspect="1" noChangeArrowheads="1"/>
+          </p:cNvPicPr>
+          <p:nvPr/>
+        </p:nvPicPr>
+        <p:blipFill rotWithShape="1">
+          <a:blip r:embed="rId3">
+            <a:extLst>
+              <a:ext uri="{28A0092B-C50C-407E-A947-70E740481C1C}">
+                <a14:useLocalDpi xmlns:a14="http://schemas.microsoft.com/office/drawing/2010/main" val="0"/>
+              </a:ext>
+            </a:extLst>
+          </a:blip>
+          <a:srcRect b="38864"/>
+          <a:stretch/>
+        </p:blipFill>
+        <p:spPr bwMode="auto">
+          <a:xfrm>
+            <a:off x="3709986" y="5774880"/>
+            <a:ext cx="4772025" cy="1083110"/>
+          </a:xfrm>
+          <a:prstGeom prst="rect">
+            <a:avLst/>
+          </a:prstGeom>
+          <a:noFill/>
+          <a:extLst>
+            <a:ext uri="{909E8E84-426E-40DD-AFC4-6F175D3DCCD1}">
+              <a14:hiddenFill xmlns:a14="http://schemas.microsoft.com/office/drawing/2010/main">
+                <a:solidFill>
+                  <a:srgbClr val="FFFFFF"/>
+                </a:solidFill>
+              </a14:hiddenFill>
+            </a:ext>
+          </a:extLst>
+        </p:spPr>
+      </p:pic>
     </p:spTree>
     <p:extLst>
       <p:ext uri="{BB962C8B-B14F-4D97-AF65-F5344CB8AC3E}">
@@ -11669,6 +11820,53 @@
           </a:p>
         </p:txBody>
       </p:sp>
+      <p:pic>
+        <p:nvPicPr>
+          <p:cNvPr id="3074" name="Picture 2" descr="Many-to-many (data model) - Wikipedia">
+            <a:extLst>
+              <a:ext uri="{FF2B5EF4-FFF2-40B4-BE49-F238E27FC236}">
+                <a16:creationId xmlns:a16="http://schemas.microsoft.com/office/drawing/2014/main" id="{EECFD739-7C3D-E3EF-DC68-2A2644381675}"/>
+              </a:ext>
+            </a:extLst>
+          </p:cNvPr>
+          <p:cNvPicPr>
+            <a:picLocks noChangeAspect="1" noChangeArrowheads="1"/>
+          </p:cNvPicPr>
+          <p:nvPr/>
+        </p:nvPicPr>
+        <p:blipFill>
+          <a:blip r:embed="rId3">
+            <a:extLst>
+              <a:ext uri="{28A0092B-C50C-407E-A947-70E740481C1C}">
+                <a14:useLocalDpi xmlns:a14="http://schemas.microsoft.com/office/drawing/2010/main" val="0"/>
+              </a:ext>
+            </a:extLst>
+          </a:blip>
+          <a:srcRect/>
+          <a:stretch>
+            <a:fillRect/>
+          </a:stretch>
+        </p:blipFill>
+        <p:spPr bwMode="auto">
+          <a:xfrm>
+            <a:off x="20" y="2415543"/>
+            <a:ext cx="6095979" cy="2026913"/>
+          </a:xfrm>
+          <a:prstGeom prst="rect">
+            <a:avLst/>
+          </a:prstGeom>
+          <a:noFill/>
+          <a:extLst>
+            <a:ext uri="{909E8E84-426E-40DD-AFC4-6F175D3DCCD1}">
+              <a14:hiddenFill xmlns:a14="http://schemas.microsoft.com/office/drawing/2010/main">
+                <a:solidFill>
+                  <a:srgbClr val="FFFFFF"/>
+                </a:solidFill>
+              </a14:hiddenFill>
+            </a:ext>
+          </a:extLst>
+        </p:spPr>
+      </p:pic>
     </p:spTree>
     <p:extLst>
       <p:ext uri="{BB962C8B-B14F-4D97-AF65-F5344CB8AC3E}">

--- a/subjects/WWW/Bazy danych - 6 zajęcia.pptx
+++ b/subjects/WWW/Bazy danych - 6 zajęcia.pptx
@@ -5,7 +5,7 @@
     <p:sldMasterId id="2147483720" r:id="rId1"/>
   </p:sldMasterIdLst>
   <p:notesMasterIdLst>
-    <p:notesMasterId r:id="rId9"/>
+    <p:notesMasterId r:id="rId8"/>
   </p:notesMasterIdLst>
   <p:sldIdLst>
     <p:sldId id="381" r:id="rId2"/>
@@ -14,7 +14,6 @@
     <p:sldId id="423" r:id="rId5"/>
     <p:sldId id="424" r:id="rId6"/>
     <p:sldId id="425" r:id="rId7"/>
-    <p:sldId id="426" r:id="rId8"/>
   </p:sldIdLst>
   <p:sldSz cx="12192000" cy="6858000"/>
   <p:notesSz cx="6858000" cy="9144000"/>
@@ -125,29 +124,12 @@
 <p1510:revInfo xmlns:a="http://schemas.openxmlformats.org/drawingml/2006/main" xmlns:r="http://schemas.openxmlformats.org/officeDocument/2006/relationships" xmlns:p1510="http://schemas.microsoft.com/office/powerpoint/2015/10/main">
   <p1510:revLst>
     <p1510:client id="{04ADB47A-C827-48AB-B1C4-8C2F1C1FB68E}" v="15" dt="2024-02-13T09:21:17.208"/>
-    <p1510:client id="{9B6C8081-79AC-4E5A-94B5-A1550F67EA47}" v="10" dt="2024-02-13T08:54:44.978"/>
   </p1510:revLst>
 </p1510:revInfo>
 </file>
 
 <file path=ppt/changesInfos/changesInfo1.xml><?xml version="1.0" encoding="utf-8"?>
 <pc:chgInfo xmlns:a="http://schemas.openxmlformats.org/drawingml/2006/main" xmlns:r="http://schemas.openxmlformats.org/officeDocument/2006/relationships" xmlns:ac="http://schemas.microsoft.com/office/drawing/2013/main/command" xmlns:pc="http://schemas.microsoft.com/office/powerpoint/2013/main/command">
-  <pc:docChgLst>
-    <pc:chgData name="Serafin Patryk" userId="ce8cf8d3-b140-43f7-9541-10745587815e" providerId="ADAL" clId="{021338D8-5A39-4268-94E8-22C1389F0145}"/>
-    <pc:docChg chg="delSld">
-      <pc:chgData name="Serafin Patryk" userId="ce8cf8d3-b140-43f7-9541-10745587815e" providerId="ADAL" clId="{021338D8-5A39-4268-94E8-22C1389F0145}" dt="2024-02-13T09:22:14.634" v="0" actId="47"/>
-      <pc:docMkLst>
-        <pc:docMk/>
-      </pc:docMkLst>
-      <pc:sldChg chg="del">
-        <pc:chgData name="Serafin Patryk" userId="ce8cf8d3-b140-43f7-9541-10745587815e" providerId="ADAL" clId="{021338D8-5A39-4268-94E8-22C1389F0145}" dt="2024-02-13T09:22:14.634" v="0" actId="47"/>
-        <pc:sldMkLst>
-          <pc:docMk/>
-          <pc:sldMk cId="1509778692" sldId="417"/>
-        </pc:sldMkLst>
-      </pc:sldChg>
-    </pc:docChg>
-  </pc:docChgLst>
   <pc:docChgLst>
     <pc:chgData name="Serafin Patryk" userId="ce8cf8d3-b140-43f7-9541-10745587815e" providerId="ADAL" clId="{9B6C8081-79AC-4E5A-94B5-A1550F67EA47}"/>
     <pc:docChg chg="undo custSel addSld delSld modSld sldOrd">
@@ -429,7 +411,7 @@
   <pc:docChgLst>
     <pc:chgData name="Serafin Patryk" userId="ce8cf8d3-b140-43f7-9541-10745587815e" providerId="ADAL" clId="{04ADB47A-C827-48AB-B1C4-8C2F1C1FB68E}"/>
     <pc:docChg chg="delSld modSld">
-      <pc:chgData name="Serafin Patryk" userId="ce8cf8d3-b140-43f7-9541-10745587815e" providerId="ADAL" clId="{04ADB47A-C827-48AB-B1C4-8C2F1C1FB68E}" dt="2024-02-13T09:21:17.208" v="16" actId="1076"/>
+      <pc:chgData name="Serafin Patryk" userId="ce8cf8d3-b140-43f7-9541-10745587815e" providerId="ADAL" clId="{04ADB47A-C827-48AB-B1C4-8C2F1C1FB68E}" dt="2024-03-06T09:02:03.099" v="18" actId="47"/>
       <pc:docMkLst>
         <pc:docMk/>
       </pc:docMkLst>
@@ -991,6 +973,13 @@
         <pc:sldMkLst>
           <pc:docMk/>
           <pc:sldMk cId="3759454836" sldId="416"/>
+        </pc:sldMkLst>
+      </pc:sldChg>
+      <pc:sldChg chg="del">
+        <pc:chgData name="Serafin Patryk" userId="ce8cf8d3-b140-43f7-9541-10745587815e" providerId="ADAL" clId="{04ADB47A-C827-48AB-B1C4-8C2F1C1FB68E}" dt="2024-03-06T09:02:01.702" v="17" actId="47"/>
+        <pc:sldMkLst>
+          <pc:docMk/>
+          <pc:sldMk cId="1509778692" sldId="417"/>
         </pc:sldMkLst>
       </pc:sldChg>
       <pc:sldChg chg="del">
@@ -1074,6 +1063,13 @@
             <ac:picMk id="3074" creationId="{EECFD739-7C3D-E3EF-DC68-2A2644381675}"/>
           </ac:picMkLst>
         </pc:picChg>
+      </pc:sldChg>
+      <pc:sldChg chg="del">
+        <pc:chgData name="Serafin Patryk" userId="ce8cf8d3-b140-43f7-9541-10745587815e" providerId="ADAL" clId="{04ADB47A-C827-48AB-B1C4-8C2F1C1FB68E}" dt="2024-03-06T09:02:03.099" v="18" actId="47"/>
+        <pc:sldMkLst>
+          <pc:docMk/>
+          <pc:sldMk cId="662022885" sldId="426"/>
+        </pc:sldMkLst>
       </pc:sldChg>
     </pc:docChg>
   </pc:docChgLst>
@@ -6971,7 +6967,7 @@
           <a:p>
             <a:fld id="{648B3C1D-5755-4177-931D-38D740BDF3D2}" type="datetimeFigureOut">
               <a:rPr lang="pl-PL" smtClean="0"/>
-              <a:t>13.02.2024</a:t>
+              <a:t>06.03.2024</a:t>
             </a:fld>
             <a:endParaRPr lang="pl-PL"/>
           </a:p>
@@ -7391,7 +7387,7 @@
           <a:p>
             <a:fld id="{999A8DD2-C443-44AD-85B3-4CE72B962C5F}" type="datetimeFigureOut">
               <a:rPr lang="en-US" smtClean="0"/>
-              <a:t>2/13/2024</a:t>
+              <a:t>3/6/2024</a:t>
             </a:fld>
             <a:endParaRPr lang="en-US"/>
           </a:p>
@@ -7599,7 +7595,7 @@
           <a:p>
             <a:fld id="{999A8DD2-C443-44AD-85B3-4CE72B962C5F}" type="datetimeFigureOut">
               <a:rPr lang="en-US" smtClean="0"/>
-              <a:t>2/13/2024</a:t>
+              <a:t>3/6/2024</a:t>
             </a:fld>
             <a:endParaRPr lang="en-US"/>
           </a:p>
@@ -7807,7 +7803,7 @@
           <a:p>
             <a:fld id="{999A8DD2-C443-44AD-85B3-4CE72B962C5F}" type="datetimeFigureOut">
               <a:rPr lang="en-US" smtClean="0"/>
-              <a:t>2/13/2024</a:t>
+              <a:t>3/6/2024</a:t>
             </a:fld>
             <a:endParaRPr lang="en-US"/>
           </a:p>
@@ -8005,7 +8001,7 @@
           <a:p>
             <a:fld id="{999A8DD2-C443-44AD-85B3-4CE72B962C5F}" type="datetimeFigureOut">
               <a:rPr lang="en-US" smtClean="0"/>
-              <a:t>2/13/2024</a:t>
+              <a:t>3/6/2024</a:t>
             </a:fld>
             <a:endParaRPr lang="en-US"/>
           </a:p>
@@ -8283,7 +8279,7 @@
           <a:p>
             <a:fld id="{999A8DD2-C443-44AD-85B3-4CE72B962C5F}" type="datetimeFigureOut">
               <a:rPr lang="en-US" smtClean="0"/>
-              <a:t>2/13/2024</a:t>
+              <a:t>3/6/2024</a:t>
             </a:fld>
             <a:endParaRPr lang="en-US"/>
           </a:p>
@@ -8555,7 +8551,7 @@
           <a:p>
             <a:fld id="{999A8DD2-C443-44AD-85B3-4CE72B962C5F}" type="datetimeFigureOut">
               <a:rPr lang="en-US" smtClean="0"/>
-              <a:t>2/13/2024</a:t>
+              <a:t>3/6/2024</a:t>
             </a:fld>
             <a:endParaRPr lang="en-US"/>
           </a:p>
@@ -8979,7 +8975,7 @@
           <a:p>
             <a:fld id="{999A8DD2-C443-44AD-85B3-4CE72B962C5F}" type="datetimeFigureOut">
               <a:rPr lang="en-US" smtClean="0"/>
-              <a:t>2/13/2024</a:t>
+              <a:t>3/6/2024</a:t>
             </a:fld>
             <a:endParaRPr lang="en-US"/>
           </a:p>
@@ -9120,7 +9116,7 @@
           <a:p>
             <a:fld id="{999A8DD2-C443-44AD-85B3-4CE72B962C5F}" type="datetimeFigureOut">
               <a:rPr lang="en-US" smtClean="0"/>
-              <a:t>2/13/2024</a:t>
+              <a:t>3/6/2024</a:t>
             </a:fld>
             <a:endParaRPr lang="en-US"/>
           </a:p>
@@ -9233,7 +9229,7 @@
           <a:p>
             <a:fld id="{999A8DD2-C443-44AD-85B3-4CE72B962C5F}" type="datetimeFigureOut">
               <a:rPr lang="en-US" smtClean="0"/>
-              <a:t>2/13/2024</a:t>
+              <a:t>3/6/2024</a:t>
             </a:fld>
             <a:endParaRPr lang="en-US"/>
           </a:p>
@@ -9552,7 +9548,7 @@
           <a:p>
             <a:fld id="{999A8DD2-C443-44AD-85B3-4CE72B962C5F}" type="datetimeFigureOut">
               <a:rPr lang="en-US" smtClean="0"/>
-              <a:t>2/13/2024</a:t>
+              <a:t>3/6/2024</a:t>
             </a:fld>
             <a:endParaRPr lang="en-US"/>
           </a:p>
@@ -9846,7 +9842,7 @@
           <a:p>
             <a:fld id="{999A8DD2-C443-44AD-85B3-4CE72B962C5F}" type="datetimeFigureOut">
               <a:rPr lang="en-US" smtClean="0"/>
-              <a:t>2/13/2024</a:t>
+              <a:t>3/6/2024</a:t>
             </a:fld>
             <a:endParaRPr lang="en-US"/>
           </a:p>
@@ -10086,7 +10082,7 @@
           <a:p>
             <a:fld id="{999A8DD2-C443-44AD-85B3-4CE72B962C5F}" type="datetimeFigureOut">
               <a:rPr lang="en-US" smtClean="0"/>
-              <a:t>2/13/2024</a:t>
+              <a:t>3/6/2024</a:t>
             </a:fld>
             <a:endParaRPr lang="en-US"/>
           </a:p>
@@ -11871,334 +11867,6 @@
     <p:extLst>
       <p:ext uri="{BB962C8B-B14F-4D97-AF65-F5344CB8AC3E}">
         <p14:creationId xmlns:p14="http://schemas.microsoft.com/office/powerpoint/2010/main" val="162257550"/>
-      </p:ext>
-    </p:extLst>
-  </p:cSld>
-  <p:clrMapOvr>
-    <a:masterClrMapping/>
-  </p:clrMapOvr>
-</p:sld>
-</file>
-
-<file path=ppt/slides/slide7.xml><?xml version="1.0" encoding="utf-8"?>
-<p:sld xmlns:a="http://schemas.openxmlformats.org/drawingml/2006/main" xmlns:r="http://schemas.openxmlformats.org/officeDocument/2006/relationships" xmlns:p="http://schemas.openxmlformats.org/presentationml/2006/main">
-  <p:cSld>
-    <p:bg>
-      <p:bgPr>
-        <a:solidFill>
-          <a:schemeClr val="bg1"/>
-        </a:solidFill>
-        <a:effectLst/>
-      </p:bgPr>
-    </p:bg>
-    <p:spTree>
-      <p:nvGrpSpPr>
-        <p:cNvPr id="1" name="">
-          <a:extLst>
-            <a:ext uri="{FF2B5EF4-FFF2-40B4-BE49-F238E27FC236}">
-              <a16:creationId xmlns:a16="http://schemas.microsoft.com/office/drawing/2014/main" id="{685DEE44-F362-86E4-81F5-44245A1A6CCB}"/>
-            </a:ext>
-          </a:extLst>
-        </p:cNvPr>
-        <p:cNvGrpSpPr/>
-        <p:nvPr/>
-      </p:nvGrpSpPr>
-      <p:grpSpPr>
-        <a:xfrm>
-          <a:off x="0" y="0"/>
-          <a:ext cx="0" cy="0"/>
-          <a:chOff x="0" y="0"/>
-          <a:chExt cx="0" cy="0"/>
-        </a:xfrm>
-      </p:grpSpPr>
-      <p:sp>
-        <p:nvSpPr>
-          <p:cNvPr id="9" name="Rectangle 8">
-            <a:extLst>
-              <a:ext uri="{FF2B5EF4-FFF2-40B4-BE49-F238E27FC236}">
-                <a16:creationId xmlns:a16="http://schemas.microsoft.com/office/drawing/2014/main" id="{D1BA7680-B1FB-4B6B-2155-45DD5D6C4CF8}"/>
-              </a:ext>
-              <a:ext uri="{C183D7F6-B498-43B3-948B-1728B52AA6E4}">
-                <adec:decorative xmlns:adec="http://schemas.microsoft.com/office/drawing/2017/decorative" val="1"/>
-              </a:ext>
-            </a:extLst>
-          </p:cNvPr>
-          <p:cNvSpPr>
-            <a:spLocks noGrp="1" noRot="1" noChangeAspect="1" noMove="1" noResize="1" noEditPoints="1" noAdjustHandles="1" noChangeArrowheads="1" noChangeShapeType="1" noTextEdit="1"/>
-          </p:cNvSpPr>
-          <p:nvPr>
-            <p:extLst>
-              <p:ext uri="{386F3935-93C4-4BCD-93E2-E3B085C9AB24}">
-                <p16:designElem xmlns:p16="http://schemas.microsoft.com/office/powerpoint/2015/main" val="1"/>
-              </p:ext>
-            </p:extLst>
-          </p:nvPr>
-        </p:nvSpPr>
-        <p:spPr>
-          <a:xfrm>
-            <a:off x="0" y="0"/>
-            <a:ext cx="12192000" cy="6858000"/>
-          </a:xfrm>
-          <a:prstGeom prst="rect">
-            <a:avLst/>
-          </a:prstGeom>
-          <a:solidFill>
-            <a:schemeClr val="bg1"/>
-          </a:solidFill>
-          <a:ln w="12700" cap="flat" cmpd="sng" algn="ctr">
-            <a:noFill/>
-            <a:prstDash val="solid"/>
-            <a:miter lim="800000"/>
-          </a:ln>
-          <a:effectLst/>
-          <a:extLst>
-            <a:ext uri="{91240B29-F687-4F45-9708-019B960494DF}">
-              <a14:hiddenLine xmlns:a14="http://schemas.microsoft.com/office/drawing/2010/main" w="12700" cap="flat" cmpd="sng" algn="ctr">
-                <a:solidFill>
-                  <a:schemeClr val="accent1">
-                    <a:shade val="15000"/>
-                  </a:schemeClr>
-                </a:solidFill>
-                <a:prstDash val="solid"/>
-                <a:miter lim="800000"/>
-              </a14:hiddenLine>
-            </a:ext>
-          </a:extLst>
-        </p:spPr>
-        <p:style>
-          <a:lnRef idx="2">
-            <a:schemeClr val="accent1">
-              <a:shade val="15000"/>
-            </a:schemeClr>
-          </a:lnRef>
-          <a:fillRef idx="1">
-            <a:schemeClr val="accent1"/>
-          </a:fillRef>
-          <a:effectRef idx="0">
-            <a:schemeClr val="accent1"/>
-          </a:effectRef>
-          <a:fontRef idx="minor">
-            <a:schemeClr val="lt1"/>
-          </a:fontRef>
-        </p:style>
-        <p:txBody>
-          <a:bodyPr rtlCol="0" anchor="ctr"/>
-          <a:lstStyle/>
-          <a:p>
-            <a:pPr algn="ctr"/>
-            <a:endParaRPr lang="en-US"/>
-          </a:p>
-        </p:txBody>
-      </p:sp>
-      <p:pic>
-        <p:nvPicPr>
-          <p:cNvPr id="4" name="Picture 3" descr="Okulary na wierzchu książki">
-            <a:extLst>
-              <a:ext uri="{FF2B5EF4-FFF2-40B4-BE49-F238E27FC236}">
-                <a16:creationId xmlns:a16="http://schemas.microsoft.com/office/drawing/2014/main" id="{17B6778A-D52F-1FBF-0732-AC5399C2DA73}"/>
-              </a:ext>
-            </a:extLst>
-          </p:cNvPr>
-          <p:cNvPicPr>
-            <a:picLocks noChangeAspect="1"/>
-          </p:cNvPicPr>
-          <p:nvPr/>
-        </p:nvPicPr>
-        <p:blipFill rotWithShape="1">
-          <a:blip r:embed="rId2"/>
-          <a:srcRect t="13324" b="1770"/>
-          <a:stretch/>
-        </p:blipFill>
-        <p:spPr>
-          <a:xfrm>
-            <a:off x="20" y="-1"/>
-            <a:ext cx="12191980" cy="6858001"/>
-          </a:xfrm>
-          <a:prstGeom prst="rect">
-            <a:avLst/>
-          </a:prstGeom>
-        </p:spPr>
-      </p:pic>
-      <p:sp>
-        <p:nvSpPr>
-          <p:cNvPr id="11" name="Rectangle 10">
-            <a:extLst>
-              <a:ext uri="{FF2B5EF4-FFF2-40B4-BE49-F238E27FC236}">
-                <a16:creationId xmlns:a16="http://schemas.microsoft.com/office/drawing/2014/main" id="{A9CCD9CD-49AE-3D3E-923B-81ECD3FBF75F}"/>
-              </a:ext>
-              <a:ext uri="{C183D7F6-B498-43B3-948B-1728B52AA6E4}">
-                <adec:decorative xmlns:adec="http://schemas.microsoft.com/office/drawing/2017/decorative" val="1"/>
-              </a:ext>
-            </a:extLst>
-          </p:cNvPr>
-          <p:cNvSpPr>
-            <a:spLocks noGrp="1" noRot="1" noChangeAspect="1" noMove="1" noResize="1" noEditPoints="1" noAdjustHandles="1" noChangeArrowheads="1" noChangeShapeType="1" noTextEdit="1"/>
-          </p:cNvSpPr>
-          <p:nvPr>
-            <p:extLst>
-              <p:ext uri="{386F3935-93C4-4BCD-93E2-E3B085C9AB24}">
-                <p16:designElem xmlns:p16="http://schemas.microsoft.com/office/powerpoint/2015/main" val="1"/>
-              </p:ext>
-            </p:extLst>
-          </p:nvPr>
-        </p:nvSpPr>
-        <p:spPr>
-          <a:xfrm>
-            <a:off x="0" y="2332383"/>
-            <a:ext cx="12192000" cy="4525617"/>
-          </a:xfrm>
-          <a:prstGeom prst="rect">
-            <a:avLst/>
-          </a:prstGeom>
-          <a:gradFill>
-            <a:gsLst>
-              <a:gs pos="0">
-                <a:srgbClr val="000000">
-                  <a:alpha val="0"/>
-                </a:srgbClr>
-              </a:gs>
-              <a:gs pos="55000">
-                <a:srgbClr val="000000">
-                  <a:alpha val="50000"/>
-                </a:srgbClr>
-              </a:gs>
-              <a:gs pos="100000">
-                <a:srgbClr val="000000">
-                  <a:alpha val="60000"/>
-                </a:srgbClr>
-              </a:gs>
-            </a:gsLst>
-            <a:lin ang="5400000" scaled="1"/>
-          </a:gradFill>
-          <a:ln>
-            <a:noFill/>
-          </a:ln>
-        </p:spPr>
-        <p:style>
-          <a:lnRef idx="2">
-            <a:schemeClr val="accent1">
-              <a:shade val="50000"/>
-            </a:schemeClr>
-          </a:lnRef>
-          <a:fillRef idx="1">
-            <a:schemeClr val="accent1"/>
-          </a:fillRef>
-          <a:effectRef idx="0">
-            <a:schemeClr val="accent1"/>
-          </a:effectRef>
-          <a:fontRef idx="minor">
-            <a:schemeClr val="lt1"/>
-          </a:fontRef>
-        </p:style>
-        <p:txBody>
-          <a:bodyPr rtlCol="0" anchor="ctr"/>
-          <a:lstStyle/>
-          <a:p>
-            <a:pPr algn="ctr"/>
-            <a:endParaRPr lang="en-US"/>
-          </a:p>
-        </p:txBody>
-      </p:sp>
-      <p:sp>
-        <p:nvSpPr>
-          <p:cNvPr id="2" name="Tytuł 1">
-            <a:extLst>
-              <a:ext uri="{FF2B5EF4-FFF2-40B4-BE49-F238E27FC236}">
-                <a16:creationId xmlns:a16="http://schemas.microsoft.com/office/drawing/2014/main" id="{8423D88A-313C-2E3E-6D3A-7C069ABAF90E}"/>
-              </a:ext>
-            </a:extLst>
-          </p:cNvPr>
-          <p:cNvSpPr>
-            <a:spLocks noGrp="1"/>
-          </p:cNvSpPr>
-          <p:nvPr>
-            <p:ph type="title"/>
-          </p:nvPr>
-        </p:nvSpPr>
-        <p:spPr>
-          <a:xfrm>
-            <a:off x="624506" y="3621149"/>
-            <a:ext cx="8837546" cy="1870483"/>
-          </a:xfrm>
-        </p:spPr>
-        <p:txBody>
-          <a:bodyPr vert="horz" lIns="91440" tIns="45720" rIns="91440" bIns="45720" rtlCol="0" anchor="b">
-            <a:normAutofit/>
-          </a:bodyPr>
-          <a:lstStyle/>
-          <a:p>
-            <a:r>
-              <a:rPr lang="en-US" sz="4000" dirty="0" err="1">
-                <a:solidFill>
-                  <a:schemeClr val="bg1"/>
-                </a:solidFill>
-                <a:hlinkClick r:id="rId3">
-                  <a:extLst>
-                    <a:ext uri="{A12FA001-AC4F-418D-AE19-62706E023703}">
-                      <ahyp:hlinkClr xmlns:ahyp="http://schemas.microsoft.com/office/drawing/2018/hyperlinkcolor" val="tx"/>
-                    </a:ext>
-                  </a:extLst>
-                </a:hlinkClick>
-              </a:rPr>
-              <a:t>Sprawdź</a:t>
-            </a:r>
-            <a:r>
-              <a:rPr lang="en-US" sz="4000" dirty="0">
-                <a:solidFill>
-                  <a:schemeClr val="bg1"/>
-                </a:solidFill>
-                <a:hlinkClick r:id="rId3">
-                  <a:extLst>
-                    <a:ext uri="{A12FA001-AC4F-418D-AE19-62706E023703}">
-                      <ahyp:hlinkClr xmlns:ahyp="http://schemas.microsoft.com/office/drawing/2018/hyperlinkcolor" val="tx"/>
-                    </a:ext>
-                  </a:extLst>
-                </a:hlinkClick>
-              </a:rPr>
-              <a:t> </a:t>
-            </a:r>
-            <a:r>
-              <a:rPr lang="en-US" sz="4000" dirty="0" err="1">
-                <a:solidFill>
-                  <a:schemeClr val="bg1"/>
-                </a:solidFill>
-                <a:hlinkClick r:id="rId3">
-                  <a:extLst>
-                    <a:ext uri="{A12FA001-AC4F-418D-AE19-62706E023703}">
-                      <ahyp:hlinkClr xmlns:ahyp="http://schemas.microsoft.com/office/drawing/2018/hyperlinkcolor" val="tx"/>
-                    </a:ext>
-                  </a:extLst>
-                </a:hlinkClick>
-              </a:rPr>
-              <a:t>siebie</a:t>
-            </a:r>
-            <a:r>
-              <a:rPr lang="en-US" sz="4000" dirty="0">
-                <a:solidFill>
-                  <a:schemeClr val="bg1"/>
-                </a:solidFill>
-                <a:hlinkClick r:id="rId3">
-                  <a:extLst>
-                    <a:ext uri="{A12FA001-AC4F-418D-AE19-62706E023703}">
-                      <ahyp:hlinkClr xmlns:ahyp="http://schemas.microsoft.com/office/drawing/2018/hyperlinkcolor" val="tx"/>
-                    </a:ext>
-                  </a:extLst>
-                </a:hlinkClick>
-              </a:rPr>
-              <a:t>!</a:t>
-            </a:r>
-            <a:endParaRPr lang="en-US" sz="4000" dirty="0">
-              <a:solidFill>
-                <a:schemeClr val="bg1"/>
-              </a:solidFill>
-            </a:endParaRPr>
-          </a:p>
-        </p:txBody>
-      </p:sp>
-    </p:spTree>
-    <p:extLst>
-      <p:ext uri="{BB962C8B-B14F-4D97-AF65-F5344CB8AC3E}">
-        <p14:creationId xmlns:p14="http://schemas.microsoft.com/office/powerpoint/2010/main" val="662022885"/>
       </p:ext>
     </p:extLst>
   </p:cSld>
